--- a/All Slides.pptx
+++ b/All Slides.pptx
@@ -134,6 +134,11 @@
       </a:defRPr>
     </a:lvl9pPr>
   </p:defaultTextStyle>
+  <p:extLst>
+    <p:ext uri="{EFAFB233-063F-42B5-8137-9DF3F51BA10A}">
+      <p15:sldGuideLst xmlns:p15="http://schemas.microsoft.com/office/powerpoint/2012/main"/>
+    </p:ext>
+  </p:extLst>
 </p:presentation>
 </file>
 
@@ -7044,7 +7049,7 @@
         <p:spPr>
           <a:xfrm>
             <a:off x="6701762" y="3004959"/>
-            <a:ext cx="5257800" cy="1754326"/>
+            <a:ext cx="5257800" cy="2031325"/>
           </a:xfrm>
           <a:prstGeom prst="rect">
             <a:avLst/>
@@ -7083,7 +7088,7 @@
             </a:pPr>
             <a:r>
               <a:rPr lang="da-DK" dirty="0"/>
-              <a:t>Python stopped after reaching an error of 0.0001.</a:t>
+              <a:t>Python stopped after reaching an error of 0.0001 with learning rate 0.5.</a:t>
             </a:r>
           </a:p>
           <a:p>
@@ -8044,8 +8049,8 @@
           </a:p>
         </p:txBody>
       </p:sp>
-      <mc:AlternateContent xmlns:mc="http://schemas.openxmlformats.org/markup-compatibility/2006">
-        <mc:Choice xmlns:a14="http://schemas.microsoft.com/office/drawing/2010/main" Requires="a14">
+      <mc:AlternateContent xmlns:mc="http://schemas.openxmlformats.org/markup-compatibility/2006" xmlns:a14="http://schemas.microsoft.com/office/drawing/2010/main">
+        <mc:Choice Requires="a14">
           <p:sp>
             <p:nvSpPr>
               <p:cNvPr id="3" name="Content Placeholder 2">
@@ -8183,7 +8188,7 @@
             </p:txBody>
           </p:sp>
         </mc:Choice>
-        <mc:Fallback>
+        <mc:Fallback xmlns="">
           <p:sp>
             <p:nvSpPr>
               <p:cNvPr id="3" name="Content Placeholder 2">
@@ -10542,8 +10547,8 @@
           </a:p>
         </p:txBody>
       </p:sp>
-      <mc:AlternateContent xmlns:mc="http://schemas.openxmlformats.org/markup-compatibility/2006">
-        <mc:Choice xmlns:a14="http://schemas.microsoft.com/office/drawing/2010/main" Requires="a14">
+      <mc:AlternateContent xmlns:mc="http://schemas.openxmlformats.org/markup-compatibility/2006" xmlns:a14="http://schemas.microsoft.com/office/drawing/2010/main">
+        <mc:Choice Requires="a14">
           <p:sp>
             <p:nvSpPr>
               <p:cNvPr id="4" name="TextBox 3">
@@ -10622,7 +10627,6 @@
                 <a:endParaRPr lang="da-DK" b="0" dirty="0"/>
               </a:p>
               <a:p>
-                <a:pPr/>
                 <a:r>
                   <a:rPr lang="da-DK" dirty="0"/>
                   <a:t>Manage to keep the pole up for 10 seconds </a:t>
@@ -10631,7 +10635,7 @@
             </p:txBody>
           </p:sp>
         </mc:Choice>
-        <mc:Fallback>
+        <mc:Fallback xmlns="">
           <p:sp>
             <p:nvSpPr>
               <p:cNvPr id="4" name="TextBox 3">
@@ -10676,8 +10680,8 @@
           </p:sp>
         </mc:Fallback>
       </mc:AlternateContent>
-      <mc:AlternateContent xmlns:mc="http://schemas.openxmlformats.org/markup-compatibility/2006">
-        <mc:Choice xmlns:a14="http://schemas.microsoft.com/office/drawing/2010/main" Requires="a14">
+      <mc:AlternateContent xmlns:mc="http://schemas.openxmlformats.org/markup-compatibility/2006" xmlns:a14="http://schemas.microsoft.com/office/drawing/2010/main">
+        <mc:Choice Requires="a14">
           <p:sp>
             <p:nvSpPr>
               <p:cNvPr id="6" name="Rectangle 5">
@@ -10755,7 +10759,6 @@
                 <a:endParaRPr lang="da-DK" dirty="0"/>
               </a:p>
               <a:p>
-                <a:pPr/>
                 <a:r>
                   <a:rPr lang="da-DK" dirty="0"/>
                   <a:t>Didnt manage to keep the pole up for 10 seconds</a:t>
@@ -10764,7 +10767,7 @@
             </p:txBody>
           </p:sp>
         </mc:Choice>
-        <mc:Fallback>
+        <mc:Fallback xmlns="">
           <p:sp>
             <p:nvSpPr>
               <p:cNvPr id="6" name="Rectangle 5">
@@ -10918,8 +10921,8 @@
           </a:prstGeom>
         </p:spPr>
       </p:pic>
-      <mc:AlternateContent xmlns:mc="http://schemas.openxmlformats.org/markup-compatibility/2006">
-        <mc:Choice xmlns:a14="http://schemas.microsoft.com/office/drawing/2010/main" Requires="a14">
+      <mc:AlternateContent xmlns:mc="http://schemas.openxmlformats.org/markup-compatibility/2006" xmlns:a14="http://schemas.microsoft.com/office/drawing/2010/main">
+        <mc:Choice Requires="a14">
           <p:sp>
             <p:nvSpPr>
               <p:cNvPr id="10" name="Rectangle 9">
@@ -10997,7 +11000,6 @@
                 <a:endParaRPr lang="da-DK" b="0" dirty="0"/>
               </a:p>
               <a:p>
-                <a:pPr/>
                 <a:r>
                   <a:rPr lang="da-DK" dirty="0"/>
                   <a:t>Didnt manage to keep the pole up for 10 secondse</a:t>
@@ -11006,7 +11008,7 @@
             </p:txBody>
           </p:sp>
         </mc:Choice>
-        <mc:Fallback>
+        <mc:Fallback xmlns="">
           <p:sp>
             <p:nvSpPr>
               <p:cNvPr id="10" name="Rectangle 9">
@@ -11577,8 +11579,8 @@
           </a:prstGeom>
         </p:spPr>
       </p:pic>
-      <mc:AlternateContent xmlns:mc="http://schemas.openxmlformats.org/markup-compatibility/2006">
-        <mc:Choice xmlns:a14="http://schemas.microsoft.com/office/drawing/2010/main" Requires="a14">
+      <mc:AlternateContent xmlns:mc="http://schemas.openxmlformats.org/markup-compatibility/2006" xmlns:a14="http://schemas.microsoft.com/office/drawing/2010/main">
+        <mc:Choice Requires="a14">
           <p:sp>
             <p:nvSpPr>
               <p:cNvPr id="10" name="TextBox 9">
@@ -11629,7 +11631,7 @@
             </p:txBody>
           </p:sp>
         </mc:Choice>
-        <mc:Fallback>
+        <mc:Fallback xmlns="">
           <p:sp>
             <p:nvSpPr>
               <p:cNvPr id="10" name="TextBox 9">
